--- a/docs/ubicomp.pptx
+++ b/docs/ubicomp.pptx
@@ -9754,18 +9754,7 @@
                 <a:ea typeface="Calibri"/>
                 <a:cs typeface="Calibri"/>
               </a:rPr>
-              <a:t>u</a:t>
-            </a:r>
-            <a:r>
-              <a:rPr lang="en-US" altLang="zh-CN" sz="2800" dirty="0">
-                <a:solidFill>
-                  <a:schemeClr val="dk1"/>
-                </a:solidFill>
-                <a:latin typeface="Calibri"/>
-                <a:ea typeface="Calibri"/>
-                <a:cs typeface="Calibri"/>
-              </a:rPr>
-              <a:t>seful</a:t>
+              <a:t>useful</a:t>
             </a:r>
             <a:r>
               <a:rPr lang="zh-CN" altLang="en-US" sz="2800" dirty="0">
@@ -10044,10 +10033,6 @@
               <a:rPr lang="en-US" sz="3200" dirty="0" smtClean="0"/>
               <a:t>. </a:t>
             </a:r>
-            <a:endParaRPr lang="zh-CN" altLang="en-US" sz="3200" dirty="0" smtClean="0"/>
-          </a:p>
-          <a:p>
-            <a:endParaRPr lang="en-US" sz="3200" dirty="0" smtClean="0"/>
           </a:p>
           <a:p>
             <a:r>
@@ -11017,7 +11002,7 @@
                 <a:buNone/>
               </a:pPr>
               <a:r>
-                <a:rPr lang="en-US" sz="2500">
+                <a:rPr lang="en-US" sz="2500" dirty="0">
                   <a:solidFill>
                     <a:schemeClr val="dk1"/>
                   </a:solidFill>
@@ -11588,7 +11573,7 @@
                 <a:buNone/>
               </a:pPr>
               <a:r>
-                <a:rPr lang="en-US" sz="2500">
+                <a:rPr lang="en-US" sz="2500" dirty="0">
                   <a:solidFill>
                     <a:schemeClr val="dk1"/>
                   </a:solidFill>
@@ -11869,16 +11854,24 @@
             </a:bodyPr>
             <a:lstStyle/>
             <a:p>
-              <a:pPr lvl="0">
+              <a:pPr>
                 <a:lnSpc>
                   <a:spcPct val="90000"/>
                 </a:lnSpc>
+                <a:buSzPct val="25000"/>
               </a:pPr>
               <a:r>
-                <a:rPr lang="en-US" sz="2800" dirty="0"/>
+                <a:rPr lang="en-US" sz="2500" dirty="0">
+                  <a:solidFill>
+                    <a:schemeClr val="dk1"/>
+                  </a:solidFill>
+                  <a:latin typeface="Calibri"/>
+                  <a:ea typeface="Calibri"/>
+                  <a:cs typeface="Calibri"/>
+                </a:rPr>
                 <a:t>accelerometer</a:t>
               </a:r>
-              <a:endParaRPr sz="2500" b="0" i="0" u="none" strike="noStrike" cap="none" dirty="0">
+              <a:endParaRPr sz="2500" dirty="0">
                 <a:solidFill>
                   <a:schemeClr val="dk1"/>
                 </a:solidFill>
@@ -11899,7 +11892,7 @@
         </p:nvSpPr>
         <p:spPr>
           <a:xfrm>
-            <a:off x="1448449" y="2819858"/>
+            <a:off x="1005396" y="2629151"/>
             <a:ext cx="4534500" cy="834900"/>
           </a:xfrm>
           <a:prstGeom prst="rect">
@@ -11952,7 +11945,7 @@
         </p:nvSpPr>
         <p:spPr>
           <a:xfrm>
-            <a:off x="6559212" y="2819858"/>
+            <a:off x="6125008" y="2668242"/>
             <a:ext cx="4534500" cy="834900"/>
           </a:xfrm>
           <a:prstGeom prst="rect">
@@ -11983,7 +11976,7 @@
               <a:buNone/>
             </a:pPr>
             <a:r>
-              <a:rPr lang="en-US" sz="2500">
+              <a:rPr lang="en-US" sz="2500" dirty="0">
                 <a:solidFill>
                   <a:schemeClr val="dk1"/>
                 </a:solidFill>
@@ -11995,7 +11988,7 @@
               <a:t>GPS </a:t>
             </a:r>
             <a:r>
-              <a:rPr lang="en-US" sz="2500" b="0" i="0" u="none" strike="noStrike" cap="none">
+              <a:rPr lang="en-US" sz="2500" b="0" i="0" u="none" strike="noStrike" cap="none" dirty="0">
                 <a:solidFill>
                   <a:schemeClr val="dk1"/>
                 </a:solidFill>
@@ -12225,43 +12218,113 @@
           <a:p>
             <a:pPr marL="971550" lvl="1" indent="-514350"/>
             <a:r>
-              <a:rPr lang="en-US" altLang="zh-CN" dirty="0"/>
+              <a:rPr lang="en-US" altLang="zh-CN" sz="2400" dirty="0">
+                <a:solidFill>
+                  <a:schemeClr val="dk1"/>
+                </a:solidFill>
+                <a:latin typeface="Calibri"/>
+                <a:ea typeface="Calibri"/>
+                <a:cs typeface="Calibri"/>
+              </a:rPr>
               <a:t>Driving</a:t>
             </a:r>
             <a:r>
-              <a:rPr lang="zh-CN" altLang="en-US" dirty="0"/>
+              <a:rPr lang="zh-CN" altLang="en-US" sz="2400" dirty="0">
+                <a:solidFill>
+                  <a:schemeClr val="dk1"/>
+                </a:solidFill>
+                <a:latin typeface="Calibri"/>
+                <a:ea typeface="Calibri"/>
+                <a:cs typeface="Calibri"/>
+              </a:rPr>
               <a:t> </a:t>
             </a:r>
             <a:r>
-              <a:rPr lang="en-US" dirty="0"/>
+              <a:rPr lang="en-US" sz="2400" dirty="0">
+                <a:solidFill>
+                  <a:schemeClr val="dk1"/>
+                </a:solidFill>
+                <a:latin typeface="Calibri"/>
+                <a:ea typeface="Calibri"/>
+                <a:cs typeface="Calibri"/>
+              </a:rPr>
               <a:t>Speed </a:t>
             </a:r>
             <a:r>
-              <a:rPr lang="en-US" altLang="zh-CN" dirty="0"/>
+              <a:rPr lang="en-US" altLang="zh-CN" sz="2400" dirty="0">
+                <a:solidFill>
+                  <a:schemeClr val="dk1"/>
+                </a:solidFill>
+                <a:latin typeface="Calibri"/>
+                <a:ea typeface="Calibri"/>
+                <a:cs typeface="Calibri"/>
+              </a:rPr>
               <a:t>is</a:t>
             </a:r>
             <a:r>
-              <a:rPr lang="zh-CN" altLang="en-US" dirty="0"/>
+              <a:rPr lang="zh-CN" altLang="en-US" sz="2400" dirty="0">
+                <a:solidFill>
+                  <a:schemeClr val="dk1"/>
+                </a:solidFill>
+                <a:latin typeface="Calibri"/>
+                <a:ea typeface="Calibri"/>
+                <a:cs typeface="Calibri"/>
+              </a:rPr>
               <a:t> </a:t>
             </a:r>
             <a:r>
-              <a:rPr lang="en-US" altLang="zh-CN" dirty="0"/>
+              <a:rPr lang="en-US" altLang="zh-CN" sz="2400" dirty="0">
+                <a:solidFill>
+                  <a:schemeClr val="dk1"/>
+                </a:solidFill>
+                <a:latin typeface="Calibri"/>
+                <a:ea typeface="Calibri"/>
+                <a:cs typeface="Calibri"/>
+              </a:rPr>
               <a:t>greater</a:t>
             </a:r>
             <a:r>
-              <a:rPr lang="zh-CN" altLang="en-US" dirty="0"/>
+              <a:rPr lang="zh-CN" altLang="en-US" sz="2400" dirty="0">
+                <a:solidFill>
+                  <a:schemeClr val="dk1"/>
+                </a:solidFill>
+                <a:latin typeface="Calibri"/>
+                <a:ea typeface="Calibri"/>
+                <a:cs typeface="Calibri"/>
+              </a:rPr>
               <a:t> </a:t>
             </a:r>
             <a:r>
-              <a:rPr lang="en-US" altLang="zh-CN" dirty="0"/>
+              <a:rPr lang="en-US" altLang="zh-CN" sz="2400" dirty="0">
+                <a:solidFill>
+                  <a:schemeClr val="dk1"/>
+                </a:solidFill>
+                <a:latin typeface="Calibri"/>
+                <a:ea typeface="Calibri"/>
+                <a:cs typeface="Calibri"/>
+              </a:rPr>
               <a:t>than</a:t>
             </a:r>
             <a:r>
-              <a:rPr lang="zh-CN" altLang="en-US" dirty="0"/>
+              <a:rPr lang="zh-CN" altLang="en-US" sz="2400" dirty="0">
+                <a:solidFill>
+                  <a:schemeClr val="dk1"/>
+                </a:solidFill>
+                <a:latin typeface="Calibri"/>
+                <a:ea typeface="Calibri"/>
+                <a:cs typeface="Calibri"/>
+              </a:rPr>
               <a:t> </a:t>
             </a:r>
             <a:r>
-              <a:rPr lang="en-US" dirty="0"/>
+              <a:rPr lang="en-US" sz="2400" dirty="0">
+                <a:solidFill>
+                  <a:schemeClr val="dk1"/>
+                </a:solidFill>
+                <a:latin typeface="Calibri"/>
+                <a:ea typeface="Calibri"/>
+                <a:cs typeface="Calibri"/>
+              </a:rPr>
               <a:t>limit speed information from google map</a:t>
             </a:r>
           </a:p>
@@ -12270,11 +12333,18 @@
               <a:buNone/>
             </a:pPr>
             <a:r>
-              <a:rPr lang="zh-CN" altLang="en-US" dirty="0"/>
+              <a:rPr lang="zh-CN" altLang="en-US" sz="2400" dirty="0">
+                <a:solidFill>
+                  <a:schemeClr val="dk1"/>
+                </a:solidFill>
+                <a:latin typeface="Calibri"/>
+                <a:ea typeface="Calibri"/>
+                <a:cs typeface="Calibri"/>
+              </a:rPr>
               <a:t>	</a:t>
             </a:r>
             <a:r>
-              <a:rPr lang="en-US" sz="2400" b="0" i="0" u="none" strike="noStrike" cap="none" dirty="0" smtClean="0">
+              <a:rPr lang="en-US" sz="2400" dirty="0">
                 <a:solidFill>
                   <a:schemeClr val="dk1"/>
                 </a:solidFill>
@@ -12286,7 +12356,7 @@
               <a:t>→</a:t>
             </a:r>
             <a:r>
-              <a:rPr lang="zh-CN" altLang="en-US" sz="2400" b="0" i="0" u="none" strike="noStrike" cap="none" dirty="0" smtClean="0">
+              <a:rPr lang="zh-CN" altLang="en-US" sz="2400" dirty="0">
                 <a:solidFill>
                   <a:schemeClr val="dk1"/>
                 </a:solidFill>
@@ -12298,10 +12368,17 @@
               <a:t> </a:t>
             </a:r>
             <a:r>
-              <a:rPr lang="en-US" dirty="0"/>
+              <a:rPr lang="en-US" sz="2400" dirty="0">
+                <a:solidFill>
+                  <a:schemeClr val="dk1"/>
+                </a:solidFill>
+                <a:latin typeface="Calibri"/>
+                <a:ea typeface="Calibri"/>
+                <a:cs typeface="Calibri"/>
+              </a:rPr>
               <a:t>Speed too high</a:t>
             </a:r>
-            <a:endParaRPr lang="en-US" sz="2400" b="0" i="0" u="none" strike="noStrike" cap="none" dirty="0" smtClean="0">
+            <a:endParaRPr lang="en-US" sz="2400" dirty="0">
               <a:solidFill>
                 <a:schemeClr val="dk1"/>
               </a:solidFill>
@@ -12314,56 +12391,129 @@
           <a:p>
             <a:pPr marL="971550" lvl="1" indent="-514350"/>
             <a:r>
-              <a:rPr lang="en-US" altLang="zh-CN" dirty="0"/>
+              <a:rPr lang="en-US" altLang="zh-CN" sz="2400" dirty="0">
+                <a:solidFill>
+                  <a:schemeClr val="dk1"/>
+                </a:solidFill>
+                <a:latin typeface="Calibri"/>
+                <a:ea typeface="Calibri"/>
+                <a:cs typeface="Calibri"/>
+              </a:rPr>
               <a:t>E</a:t>
             </a:r>
             <a:r>
-              <a:rPr lang="en-US" dirty="0"/>
+              <a:rPr lang="en-US" sz="2400" dirty="0">
+                <a:solidFill>
+                  <a:schemeClr val="dk1"/>
+                </a:solidFill>
+                <a:latin typeface="Calibri"/>
+                <a:ea typeface="Calibri"/>
+                <a:cs typeface="Calibri"/>
+              </a:rPr>
               <a:t>ngine </a:t>
             </a:r>
             <a:r>
-              <a:rPr lang="en-US" altLang="zh-CN" dirty="0"/>
+              <a:rPr lang="en-US" altLang="zh-CN" sz="2400" dirty="0">
+                <a:solidFill>
+                  <a:schemeClr val="dk1"/>
+                </a:solidFill>
+                <a:latin typeface="Calibri"/>
+                <a:ea typeface="Calibri"/>
+                <a:cs typeface="Calibri"/>
+              </a:rPr>
               <a:t>s</a:t>
             </a:r>
             <a:r>
-              <a:rPr lang="en-US" dirty="0"/>
-              <a:t>tart and </a:t>
-            </a:r>
-            <a:r>
-              <a:rPr lang="en-US" sz="2000" dirty="0"/>
-              <a:t>stop time </a:t>
-            </a:r>
-            <a:endParaRPr lang="zh-CN" altLang="en-US" sz="2000" dirty="0" smtClean="0"/>
+              <a:rPr lang="en-US" sz="2400" dirty="0">
+                <a:solidFill>
+                  <a:schemeClr val="dk1"/>
+                </a:solidFill>
+                <a:latin typeface="Calibri"/>
+                <a:ea typeface="Calibri"/>
+                <a:cs typeface="Calibri"/>
+              </a:rPr>
+              <a:t>tart and stop time </a:t>
+            </a:r>
+            <a:endParaRPr lang="zh-CN" altLang="en-US" sz="2400" dirty="0">
+              <a:solidFill>
+                <a:schemeClr val="dk1"/>
+              </a:solidFill>
+              <a:latin typeface="Calibri"/>
+              <a:ea typeface="Calibri"/>
+              <a:cs typeface="Calibri"/>
+            </a:endParaRPr>
           </a:p>
           <a:p>
             <a:pPr marL="457200" lvl="1" indent="0">
               <a:buNone/>
             </a:pPr>
             <a:r>
-              <a:rPr lang="zh-CN" altLang="en-US" sz="2000" dirty="0"/>
+              <a:rPr lang="zh-CN" altLang="en-US" sz="2400" dirty="0">
+                <a:solidFill>
+                  <a:schemeClr val="dk1"/>
+                </a:solidFill>
+                <a:latin typeface="Calibri"/>
+                <a:ea typeface="Calibri"/>
+                <a:cs typeface="Calibri"/>
+              </a:rPr>
               <a:t>	</a:t>
             </a:r>
             <a:r>
-              <a:rPr lang="en-US" dirty="0" smtClean="0"/>
+              <a:rPr lang="en-US" sz="2400" dirty="0">
+                <a:solidFill>
+                  <a:schemeClr val="dk1"/>
+                </a:solidFill>
+                <a:latin typeface="Calibri"/>
+                <a:ea typeface="Calibri"/>
+                <a:cs typeface="Calibri"/>
+              </a:rPr>
               <a:t>→</a:t>
             </a:r>
             <a:r>
-              <a:rPr lang="zh-CN" altLang="en-US" dirty="0" smtClean="0"/>
+              <a:rPr lang="zh-CN" altLang="en-US" sz="2400" dirty="0">
+                <a:solidFill>
+                  <a:schemeClr val="dk1"/>
+                </a:solidFill>
+                <a:latin typeface="Calibri"/>
+                <a:ea typeface="Calibri"/>
+                <a:cs typeface="Calibri"/>
+              </a:rPr>
               <a:t> </a:t>
             </a:r>
             <a:r>
-              <a:rPr lang="en-US" dirty="0"/>
+              <a:rPr lang="en-US" sz="2400" dirty="0">
+                <a:solidFill>
+                  <a:schemeClr val="dk1"/>
+                </a:solidFill>
+                <a:latin typeface="Calibri"/>
+                <a:ea typeface="Calibri"/>
+                <a:cs typeface="Calibri"/>
+              </a:rPr>
               <a:t>Long time driving</a:t>
             </a:r>
             <a:r>
-              <a:rPr lang="zh-CN" altLang="en-US" dirty="0"/>
+              <a:rPr lang="zh-CN" altLang="en-US" sz="2400" dirty="0">
+                <a:solidFill>
+                  <a:schemeClr val="dk1"/>
+                </a:solidFill>
+                <a:latin typeface="Calibri"/>
+                <a:ea typeface="Calibri"/>
+                <a:cs typeface="Calibri"/>
+              </a:rPr>
               <a:t> </a:t>
             </a:r>
             <a:r>
-              <a:rPr lang="en-US" altLang="zh-CN" dirty="0"/>
+              <a:rPr lang="en-US" altLang="zh-CN" sz="2400" dirty="0">
+                <a:solidFill>
+                  <a:schemeClr val="dk1"/>
+                </a:solidFill>
+                <a:latin typeface="Calibri"/>
+                <a:ea typeface="Calibri"/>
+                <a:cs typeface="Calibri"/>
+              </a:rPr>
               <a:t>reminder</a:t>
             </a:r>
-            <a:endParaRPr lang="en-US" sz="2400" b="0" i="0" u="none" strike="noStrike" cap="none" dirty="0" smtClean="0">
+            <a:endParaRPr lang="en-US" sz="2400" dirty="0">
               <a:solidFill>
                 <a:schemeClr val="dk1"/>
               </a:solidFill>
@@ -12376,11 +12526,18 @@
           <a:p>
             <a:pPr marL="971550" lvl="1" indent="-514350"/>
             <a:r>
-              <a:rPr lang="en-US" altLang="zh-CN" dirty="0" smtClean="0"/>
+              <a:rPr lang="en-US" altLang="zh-CN" sz="2400" dirty="0">
+                <a:solidFill>
+                  <a:schemeClr val="dk1"/>
+                </a:solidFill>
+                <a:latin typeface="Calibri"/>
+                <a:ea typeface="Calibri"/>
+                <a:cs typeface="Calibri"/>
+              </a:rPr>
               <a:t>S</a:t>
             </a:r>
             <a:r>
-              <a:rPr lang="en-US" altLang="zh-CN" sz="2400" b="0" i="0" u="none" strike="noStrike" cap="none" dirty="0" smtClean="0">
+              <a:rPr lang="en-US" altLang="zh-CN" sz="2400" dirty="0">
                 <a:solidFill>
                   <a:schemeClr val="dk1"/>
                 </a:solidFill>
@@ -12392,7 +12549,7 @@
               <a:t>peed</a:t>
             </a:r>
             <a:r>
-              <a:rPr lang="zh-CN" altLang="en-US" sz="2400" b="0" i="0" u="none" strike="noStrike" cap="none" dirty="0" smtClean="0">
+              <a:rPr lang="zh-CN" altLang="en-US" sz="2400" dirty="0">
                 <a:solidFill>
                   <a:schemeClr val="dk1"/>
                 </a:solidFill>
@@ -12404,7 +12561,7 @@
               <a:t> </a:t>
             </a:r>
             <a:r>
-              <a:rPr lang="en-US" altLang="zh-CN" sz="2400" b="0" i="0" u="none" strike="noStrike" cap="none" dirty="0" smtClean="0">
+              <a:rPr lang="en-US" altLang="zh-CN" sz="2400" dirty="0">
                 <a:solidFill>
                   <a:schemeClr val="dk1"/>
                 </a:solidFill>
@@ -12416,7 +12573,7 @@
               <a:t>increase</a:t>
             </a:r>
             <a:r>
-              <a:rPr lang="zh-CN" altLang="en-US" sz="2400" b="0" i="0" u="none" strike="noStrike" cap="none" dirty="0" smtClean="0">
+              <a:rPr lang="zh-CN" altLang="en-US" sz="2400" dirty="0">
                 <a:solidFill>
                   <a:schemeClr val="dk1"/>
                 </a:solidFill>
@@ -12428,7 +12585,7 @@
               <a:t> </a:t>
             </a:r>
             <a:r>
-              <a:rPr lang="en-US" altLang="zh-CN" sz="2400" b="0" i="0" u="none" strike="noStrike" cap="none" dirty="0" smtClean="0">
+              <a:rPr lang="en-US" altLang="zh-CN" sz="2400" dirty="0">
                 <a:solidFill>
                   <a:schemeClr val="dk1"/>
                 </a:solidFill>
@@ -12440,7 +12597,7 @@
               <a:t>or</a:t>
             </a:r>
             <a:r>
-              <a:rPr lang="zh-CN" altLang="en-US" sz="2400" b="0" i="0" u="none" strike="noStrike" cap="none" dirty="0" smtClean="0">
+              <a:rPr lang="zh-CN" altLang="en-US" sz="2400" dirty="0">
                 <a:solidFill>
                   <a:schemeClr val="dk1"/>
                 </a:solidFill>
@@ -12452,7 +12609,7 @@
               <a:t> </a:t>
             </a:r>
             <a:r>
-              <a:rPr lang="en-US" altLang="zh-CN" sz="2400" b="0" i="0" u="none" strike="noStrike" cap="none" dirty="0" smtClean="0">
+              <a:rPr lang="en-US" altLang="zh-CN" sz="2400" dirty="0">
                 <a:solidFill>
                   <a:schemeClr val="dk1"/>
                 </a:solidFill>
@@ -12464,11 +12621,18 @@
               <a:t>decrease</a:t>
             </a:r>
             <a:r>
-              <a:rPr lang="zh-CN" altLang="en-US" dirty="0" smtClean="0"/>
+              <a:rPr lang="zh-CN" altLang="en-US" sz="2400" dirty="0">
+                <a:solidFill>
+                  <a:schemeClr val="dk1"/>
+                </a:solidFill>
+                <a:latin typeface="Calibri"/>
+                <a:ea typeface="Calibri"/>
+                <a:cs typeface="Calibri"/>
+              </a:rPr>
               <a:t> </a:t>
             </a:r>
             <a:r>
-              <a:rPr lang="en-US" altLang="zh-CN" sz="2400" b="0" i="0" u="none" strike="noStrike" cap="none" dirty="0" smtClean="0">
+              <a:rPr lang="en-US" altLang="zh-CN" sz="2400" dirty="0">
                 <a:solidFill>
                   <a:schemeClr val="dk1"/>
                 </a:solidFill>
@@ -12480,7 +12644,7 @@
               <a:t>change</a:t>
             </a:r>
             <a:r>
-              <a:rPr lang="zh-CN" altLang="en-US" sz="2400" b="0" i="0" u="none" strike="noStrike" cap="none" dirty="0" smtClean="0">
+              <a:rPr lang="zh-CN" altLang="en-US" sz="2400" dirty="0">
                 <a:solidFill>
                   <a:schemeClr val="dk1"/>
                 </a:solidFill>
@@ -12492,7 +12656,7 @@
               <a:t> </a:t>
             </a:r>
             <a:r>
-              <a:rPr lang="en-US" altLang="zh-CN" sz="2400" b="0" i="0" u="none" strike="noStrike" cap="none" dirty="0" smtClean="0">
+              <a:rPr lang="en-US" altLang="zh-CN" sz="2400" dirty="0">
                 <a:solidFill>
                   <a:schemeClr val="dk1"/>
                 </a:solidFill>
@@ -12504,7 +12668,7 @@
               <a:t>too</a:t>
             </a:r>
             <a:r>
-              <a:rPr lang="zh-CN" altLang="en-US" sz="2400" b="0" i="0" u="none" strike="noStrike" cap="none" dirty="0" smtClean="0">
+              <a:rPr lang="zh-CN" altLang="en-US" sz="2400" dirty="0">
                 <a:solidFill>
                   <a:schemeClr val="dk1"/>
                 </a:solidFill>
@@ -12516,7 +12680,7 @@
               <a:t> </a:t>
             </a:r>
             <a:r>
-              <a:rPr lang="en-US" altLang="zh-CN" sz="2400" b="0" i="0" u="none" strike="noStrike" cap="none" dirty="0" smtClean="0">
+              <a:rPr lang="en-US" altLang="zh-CN" sz="2400" dirty="0">
                 <a:solidFill>
                   <a:schemeClr val="dk1"/>
                 </a:solidFill>
@@ -12528,7 +12692,7 @@
               <a:t>fast</a:t>
             </a:r>
             <a:r>
-              <a:rPr lang="zh-CN" altLang="en-US" sz="2400" b="0" i="0" u="none" strike="noStrike" cap="none" dirty="0" smtClean="0">
+              <a:rPr lang="zh-CN" altLang="en-US" sz="2400" dirty="0">
                 <a:solidFill>
                   <a:schemeClr val="dk1"/>
                 </a:solidFill>
@@ -12540,7 +12704,7 @@
               <a:t> </a:t>
             </a:r>
             <a:r>
-              <a:rPr lang="en-US" altLang="zh-CN" sz="2400" b="0" i="0" u="none" strike="noStrike" cap="none" dirty="0" smtClean="0">
+              <a:rPr lang="en-US" altLang="zh-CN" sz="2400" dirty="0">
                 <a:solidFill>
                   <a:schemeClr val="dk1"/>
                 </a:solidFill>
@@ -12552,7 +12716,7 @@
               <a:t>in</a:t>
             </a:r>
             <a:r>
-              <a:rPr lang="zh-CN" altLang="en-US" sz="2400" b="0" i="0" u="none" strike="noStrike" cap="none" dirty="0" smtClean="0">
+              <a:rPr lang="zh-CN" altLang="en-US" sz="2400" dirty="0">
                 <a:solidFill>
                   <a:schemeClr val="dk1"/>
                 </a:solidFill>
@@ -12564,39 +12728,102 @@
               <a:t> </a:t>
             </a:r>
             <a:r>
-              <a:rPr lang="en-US" altLang="zh-CN" dirty="0" smtClean="0"/>
+              <a:rPr lang="en-US" altLang="zh-CN" sz="2400" dirty="0">
+                <a:solidFill>
+                  <a:schemeClr val="dk1"/>
+                </a:solidFill>
+                <a:latin typeface="Calibri"/>
+                <a:ea typeface="Calibri"/>
+                <a:cs typeface="Calibri"/>
+              </a:rPr>
               <a:t>short</a:t>
             </a:r>
             <a:r>
-              <a:rPr lang="zh-CN" altLang="en-US" dirty="0" smtClean="0"/>
+              <a:rPr lang="zh-CN" altLang="en-US" sz="2400" dirty="0">
+                <a:solidFill>
+                  <a:schemeClr val="dk1"/>
+                </a:solidFill>
+                <a:latin typeface="Calibri"/>
+                <a:ea typeface="Calibri"/>
+                <a:cs typeface="Calibri"/>
+              </a:rPr>
               <a:t> </a:t>
             </a:r>
             <a:r>
-              <a:rPr lang="en-US" altLang="zh-CN" dirty="0" smtClean="0"/>
+              <a:rPr lang="en-US" altLang="zh-CN" sz="2400" dirty="0">
+                <a:solidFill>
+                  <a:schemeClr val="dk1"/>
+                </a:solidFill>
+                <a:latin typeface="Calibri"/>
+                <a:ea typeface="Calibri"/>
+                <a:cs typeface="Calibri"/>
+              </a:rPr>
               <a:t>time</a:t>
             </a:r>
             <a:r>
-              <a:rPr lang="zh-CN" altLang="en-US" dirty="0" smtClean="0"/>
+              <a:rPr lang="zh-CN" altLang="en-US" sz="2400" dirty="0">
+                <a:solidFill>
+                  <a:schemeClr val="dk1"/>
+                </a:solidFill>
+                <a:latin typeface="Calibri"/>
+                <a:ea typeface="Calibri"/>
+                <a:cs typeface="Calibri"/>
+              </a:rPr>
               <a:t> </a:t>
             </a:r>
             <a:r>
-              <a:rPr lang="en-US" altLang="zh-CN" dirty="0" smtClean="0"/>
+              <a:rPr lang="en-US" altLang="zh-CN" sz="2400" dirty="0">
+                <a:solidFill>
+                  <a:schemeClr val="dk1"/>
+                </a:solidFill>
+                <a:latin typeface="Calibri"/>
+                <a:ea typeface="Calibri"/>
+                <a:cs typeface="Calibri"/>
+              </a:rPr>
               <a:t>(4</a:t>
             </a:r>
             <a:r>
-              <a:rPr lang="zh-CN" altLang="en-US" dirty="0" smtClean="0"/>
+              <a:rPr lang="zh-CN" altLang="en-US" sz="2400" dirty="0">
+                <a:solidFill>
+                  <a:schemeClr val="dk1"/>
+                </a:solidFill>
+                <a:latin typeface="Calibri"/>
+                <a:ea typeface="Calibri"/>
+                <a:cs typeface="Calibri"/>
+              </a:rPr>
               <a:t> </a:t>
             </a:r>
             <a:r>
-              <a:rPr lang="en-US" altLang="zh-CN" dirty="0" err="1" smtClean="0"/>
+              <a:rPr lang="en-US" altLang="zh-CN" sz="2400" dirty="0" err="1">
+                <a:solidFill>
+                  <a:schemeClr val="dk1"/>
+                </a:solidFill>
+                <a:latin typeface="Calibri"/>
+                <a:ea typeface="Calibri"/>
+                <a:cs typeface="Calibri"/>
+              </a:rPr>
               <a:t>secs</a:t>
             </a:r>
             <a:r>
-              <a:rPr lang="en-US" altLang="zh-CN" dirty="0" smtClean="0"/>
+              <a:rPr lang="en-US" altLang="zh-CN" sz="2400" dirty="0">
+                <a:solidFill>
+                  <a:schemeClr val="dk1"/>
+                </a:solidFill>
+                <a:latin typeface="Calibri"/>
+                <a:ea typeface="Calibri"/>
+                <a:cs typeface="Calibri"/>
+              </a:rPr>
               <a:t>)</a:t>
             </a:r>
             <a:r>
-              <a:rPr lang="zh-CN" altLang="en-US" dirty="0" smtClean="0"/>
+              <a:rPr lang="zh-CN" altLang="en-US" sz="2400" dirty="0">
+                <a:solidFill>
+                  <a:schemeClr val="dk1"/>
+                </a:solidFill>
+                <a:latin typeface="Calibri"/>
+                <a:ea typeface="Calibri"/>
+                <a:cs typeface="Calibri"/>
+              </a:rPr>
               <a:t> </a:t>
             </a:r>
           </a:p>
@@ -12605,30 +12832,39 @@
               <a:buNone/>
             </a:pPr>
             <a:r>
-              <a:rPr lang="zh-CN" altLang="en-US" dirty="0"/>
+              <a:rPr lang="zh-CN" altLang="en-US" sz="2400" dirty="0">
+                <a:solidFill>
+                  <a:schemeClr val="dk1"/>
+                </a:solidFill>
+                <a:latin typeface="Calibri"/>
+                <a:ea typeface="Calibri"/>
+                <a:cs typeface="Calibri"/>
+              </a:rPr>
               <a:t>	</a:t>
             </a:r>
             <a:r>
-              <a:rPr lang="en-US" dirty="0" smtClean="0"/>
+              <a:rPr lang="en-US" sz="2400" dirty="0">
+                <a:solidFill>
+                  <a:schemeClr val="dk1"/>
+                </a:solidFill>
+                <a:latin typeface="Calibri"/>
+                <a:ea typeface="Calibri"/>
+                <a:cs typeface="Calibri"/>
+              </a:rPr>
               <a:t>→ Rush </a:t>
             </a:r>
             <a:r>
-              <a:rPr lang="en-US" dirty="0"/>
-              <a:t>acceleration</a:t>
-            </a:r>
-            <a:r>
-              <a:rPr lang="en-US" sz="2000" dirty="0"/>
-              <a:t> and </a:t>
-            </a:r>
-            <a:r>
-              <a:rPr lang="en-US" dirty="0"/>
-              <a:t>hard</a:t>
-            </a:r>
-            <a:r>
-              <a:rPr lang="en-US" sz="2000" dirty="0"/>
-              <a:t> break</a:t>
-            </a:r>
-            <a:endParaRPr lang="en-US" sz="2400" b="0" i="0" u="none" strike="noStrike" cap="none" dirty="0">
+              <a:rPr lang="en-US" sz="2400" dirty="0">
+                <a:solidFill>
+                  <a:schemeClr val="dk1"/>
+                </a:solidFill>
+                <a:latin typeface="Calibri"/>
+                <a:ea typeface="Calibri"/>
+                <a:cs typeface="Calibri"/>
+              </a:rPr>
+              <a:t>acceleration and hard break</a:t>
+            </a:r>
+            <a:endParaRPr lang="en-US" sz="2400" dirty="0">
               <a:solidFill>
                 <a:schemeClr val="dk1"/>
               </a:solidFill>
@@ -12641,109 +12877,284 @@
           <a:p>
             <a:pPr marL="971550" lvl="1" indent="-514350"/>
             <a:r>
-              <a:rPr lang="en-US" altLang="zh-CN" dirty="0"/>
+              <a:rPr lang="en-US" altLang="zh-CN" sz="2400" dirty="0">
+                <a:solidFill>
+                  <a:schemeClr val="dk1"/>
+                </a:solidFill>
+                <a:latin typeface="Calibri"/>
+                <a:ea typeface="Calibri"/>
+                <a:cs typeface="Calibri"/>
+              </a:rPr>
               <a:t>Speed</a:t>
             </a:r>
             <a:r>
-              <a:rPr lang="zh-CN" altLang="en-US" dirty="0"/>
+              <a:rPr lang="zh-CN" altLang="en-US" sz="2400" dirty="0">
+                <a:solidFill>
+                  <a:schemeClr val="dk1"/>
+                </a:solidFill>
+                <a:latin typeface="Calibri"/>
+                <a:ea typeface="Calibri"/>
+                <a:cs typeface="Calibri"/>
+              </a:rPr>
               <a:t> </a:t>
             </a:r>
             <a:r>
-              <a:rPr lang="en-US" altLang="zh-CN" dirty="0"/>
+              <a:rPr lang="en-US" altLang="zh-CN" sz="2400" dirty="0">
+                <a:solidFill>
+                  <a:schemeClr val="dk1"/>
+                </a:solidFill>
+                <a:latin typeface="Calibri"/>
+                <a:ea typeface="Calibri"/>
+                <a:cs typeface="Calibri"/>
+              </a:rPr>
               <a:t>to</a:t>
             </a:r>
             <a:r>
-              <a:rPr lang="zh-CN" altLang="en-US" dirty="0"/>
+              <a:rPr lang="zh-CN" altLang="en-US" sz="2400" dirty="0">
+                <a:solidFill>
+                  <a:schemeClr val="dk1"/>
+                </a:solidFill>
+                <a:latin typeface="Calibri"/>
+                <a:ea typeface="Calibri"/>
+                <a:cs typeface="Calibri"/>
+              </a:rPr>
               <a:t> </a:t>
             </a:r>
             <a:r>
-              <a:rPr lang="en-US" altLang="zh-CN" dirty="0"/>
+              <a:rPr lang="en-US" altLang="zh-CN" sz="2400" dirty="0">
+                <a:solidFill>
+                  <a:schemeClr val="dk1"/>
+                </a:solidFill>
+                <a:latin typeface="Calibri"/>
+                <a:ea typeface="Calibri"/>
+                <a:cs typeface="Calibri"/>
+              </a:rPr>
               <a:t>high(30</a:t>
             </a:r>
             <a:r>
-              <a:rPr lang="zh-CN" altLang="en-US" dirty="0"/>
+              <a:rPr lang="zh-CN" altLang="en-US" sz="2400" dirty="0">
+                <a:solidFill>
+                  <a:schemeClr val="dk1"/>
+                </a:solidFill>
+                <a:latin typeface="Calibri"/>
+                <a:ea typeface="Calibri"/>
+                <a:cs typeface="Calibri"/>
+              </a:rPr>
               <a:t> </a:t>
             </a:r>
             <a:r>
-              <a:rPr lang="en-US" altLang="zh-CN" dirty="0"/>
+              <a:rPr lang="en-US" altLang="zh-CN" sz="2400" dirty="0">
+                <a:solidFill>
+                  <a:schemeClr val="dk1"/>
+                </a:solidFill>
+                <a:latin typeface="Calibri"/>
+                <a:ea typeface="Calibri"/>
+                <a:cs typeface="Calibri"/>
+              </a:rPr>
               <a:t>miles)</a:t>
             </a:r>
             <a:r>
-              <a:rPr lang="zh-CN" altLang="en-US" dirty="0"/>
+              <a:rPr lang="zh-CN" altLang="en-US" sz="2400" dirty="0">
+                <a:solidFill>
+                  <a:schemeClr val="dk1"/>
+                </a:solidFill>
+                <a:latin typeface="Calibri"/>
+                <a:ea typeface="Calibri"/>
+                <a:cs typeface="Calibri"/>
+              </a:rPr>
               <a:t> </a:t>
             </a:r>
             <a:r>
-              <a:rPr lang="en-US" altLang="zh-CN" dirty="0"/>
+              <a:rPr lang="en-US" altLang="zh-CN" sz="2400" dirty="0">
+                <a:solidFill>
+                  <a:schemeClr val="dk1"/>
+                </a:solidFill>
+                <a:latin typeface="Calibri"/>
+                <a:ea typeface="Calibri"/>
+                <a:cs typeface="Calibri"/>
+              </a:rPr>
               <a:t>if</a:t>
             </a:r>
             <a:r>
-              <a:rPr lang="zh-CN" altLang="en-US" dirty="0"/>
+              <a:rPr lang="zh-CN" altLang="en-US" sz="2400" dirty="0">
+                <a:solidFill>
+                  <a:schemeClr val="dk1"/>
+                </a:solidFill>
+                <a:latin typeface="Calibri"/>
+                <a:ea typeface="Calibri"/>
+                <a:cs typeface="Calibri"/>
+              </a:rPr>
               <a:t> </a:t>
             </a:r>
             <a:r>
-              <a:rPr lang="en-US" altLang="zh-CN" dirty="0"/>
+              <a:rPr lang="en-US" altLang="zh-CN" sz="2400" dirty="0">
+                <a:solidFill>
+                  <a:schemeClr val="dk1"/>
+                </a:solidFill>
+                <a:latin typeface="Calibri"/>
+                <a:ea typeface="Calibri"/>
+                <a:cs typeface="Calibri"/>
+              </a:rPr>
               <a:t>bearing</a:t>
             </a:r>
             <a:r>
-              <a:rPr lang="zh-CN" altLang="en-US" dirty="0"/>
+              <a:rPr lang="zh-CN" altLang="en-US" sz="2400" dirty="0">
+                <a:solidFill>
+                  <a:schemeClr val="dk1"/>
+                </a:solidFill>
+                <a:latin typeface="Calibri"/>
+                <a:ea typeface="Calibri"/>
+                <a:cs typeface="Calibri"/>
+              </a:rPr>
               <a:t> </a:t>
             </a:r>
             <a:r>
-              <a:rPr lang="en-US" altLang="zh-CN" dirty="0"/>
+              <a:rPr lang="en-US" altLang="zh-CN" sz="2400" dirty="0">
+                <a:solidFill>
+                  <a:schemeClr val="dk1"/>
+                </a:solidFill>
+                <a:latin typeface="Calibri"/>
+                <a:ea typeface="Calibri"/>
+                <a:cs typeface="Calibri"/>
+              </a:rPr>
               <a:t>data</a:t>
             </a:r>
             <a:r>
-              <a:rPr lang="zh-CN" altLang="en-US" dirty="0"/>
+              <a:rPr lang="zh-CN" altLang="en-US" sz="2400" dirty="0">
+                <a:solidFill>
+                  <a:schemeClr val="dk1"/>
+                </a:solidFill>
+                <a:latin typeface="Calibri"/>
+                <a:ea typeface="Calibri"/>
+                <a:cs typeface="Calibri"/>
+              </a:rPr>
               <a:t> </a:t>
             </a:r>
             <a:r>
-              <a:rPr lang="en-US" altLang="zh-CN" dirty="0"/>
+              <a:rPr lang="en-US" altLang="zh-CN" sz="2400" dirty="0">
+                <a:solidFill>
+                  <a:schemeClr val="dk1"/>
+                </a:solidFill>
+                <a:latin typeface="Calibri"/>
+                <a:ea typeface="Calibri"/>
+                <a:cs typeface="Calibri"/>
+              </a:rPr>
               <a:t>greater</a:t>
             </a:r>
             <a:r>
-              <a:rPr lang="zh-CN" altLang="en-US" dirty="0"/>
+              <a:rPr lang="zh-CN" altLang="en-US" sz="2400" dirty="0">
+                <a:solidFill>
+                  <a:schemeClr val="dk1"/>
+                </a:solidFill>
+                <a:latin typeface="Calibri"/>
+                <a:ea typeface="Calibri"/>
+                <a:cs typeface="Calibri"/>
+              </a:rPr>
               <a:t> </a:t>
             </a:r>
             <a:r>
-              <a:rPr lang="en-US" altLang="zh-CN" dirty="0"/>
+              <a:rPr lang="en-US" altLang="zh-CN" sz="2400" dirty="0">
+                <a:solidFill>
+                  <a:schemeClr val="dk1"/>
+                </a:solidFill>
+                <a:latin typeface="Calibri"/>
+                <a:ea typeface="Calibri"/>
+                <a:cs typeface="Calibri"/>
+              </a:rPr>
               <a:t>than</a:t>
             </a:r>
             <a:r>
-              <a:rPr lang="zh-CN" altLang="en-US" dirty="0"/>
+              <a:rPr lang="zh-CN" altLang="en-US" sz="2400" dirty="0">
+                <a:solidFill>
+                  <a:schemeClr val="dk1"/>
+                </a:solidFill>
+                <a:latin typeface="Calibri"/>
+                <a:ea typeface="Calibri"/>
+                <a:cs typeface="Calibri"/>
+              </a:rPr>
               <a:t> </a:t>
             </a:r>
             <a:r>
-              <a:rPr lang="en-US" altLang="zh-CN" dirty="0" smtClean="0"/>
+              <a:rPr lang="en-US" altLang="zh-CN" sz="2400" dirty="0">
+                <a:solidFill>
+                  <a:schemeClr val="dk1"/>
+                </a:solidFill>
+                <a:latin typeface="Calibri"/>
+                <a:ea typeface="Calibri"/>
+                <a:cs typeface="Calibri"/>
+              </a:rPr>
               <a:t>75</a:t>
             </a:r>
             <a:r>
-              <a:rPr lang="zh-CN" altLang="en-US" dirty="0" smtClean="0"/>
+              <a:rPr lang="zh-CN" altLang="en-US" sz="2400" dirty="0">
+                <a:solidFill>
+                  <a:schemeClr val="dk1"/>
+                </a:solidFill>
+                <a:latin typeface="Calibri"/>
+                <a:ea typeface="Calibri"/>
+                <a:cs typeface="Calibri"/>
+              </a:rPr>
               <a:t> </a:t>
             </a:r>
             <a:r>
-              <a:rPr lang="en-US" altLang="zh-CN" dirty="0"/>
+              <a:rPr lang="en-US" altLang="zh-CN" sz="2400" dirty="0">
+                <a:solidFill>
+                  <a:schemeClr val="dk1"/>
+                </a:solidFill>
+                <a:latin typeface="Calibri"/>
+                <a:ea typeface="Calibri"/>
+                <a:cs typeface="Calibri"/>
+              </a:rPr>
               <a:t>degrees</a:t>
             </a:r>
-            <a:endParaRPr lang="en-US" dirty="0"/>
+            <a:endParaRPr lang="en-US" sz="2400" dirty="0">
+              <a:solidFill>
+                <a:schemeClr val="dk1"/>
+              </a:solidFill>
+              <a:latin typeface="Calibri"/>
+              <a:ea typeface="Calibri"/>
+              <a:cs typeface="Calibri"/>
+            </a:endParaRPr>
           </a:p>
           <a:p>
             <a:pPr marL="457200" lvl="1" indent="0">
               <a:buNone/>
             </a:pPr>
             <a:r>
-              <a:rPr lang="zh-CN" altLang="en-US" dirty="0" smtClean="0"/>
+              <a:rPr lang="zh-CN" altLang="en-US" sz="2400" dirty="0">
+                <a:solidFill>
+                  <a:schemeClr val="dk1"/>
+                </a:solidFill>
+                <a:latin typeface="Calibri"/>
+                <a:ea typeface="Calibri"/>
+                <a:cs typeface="Calibri"/>
+              </a:rPr>
               <a:t>	</a:t>
             </a:r>
             <a:r>
-              <a:rPr lang="en-US" dirty="0" smtClean="0"/>
+              <a:rPr lang="en-US" sz="2400" dirty="0">
+                <a:solidFill>
+                  <a:schemeClr val="dk1"/>
+                </a:solidFill>
+                <a:latin typeface="Calibri"/>
+                <a:ea typeface="Calibri"/>
+                <a:cs typeface="Calibri"/>
+              </a:rPr>
               <a:t>→</a:t>
             </a:r>
             <a:r>
-              <a:rPr lang="zh-CN" altLang="en-US" dirty="0" smtClean="0"/>
+              <a:rPr lang="zh-CN" altLang="en-US" sz="2400" dirty="0">
+                <a:solidFill>
+                  <a:schemeClr val="dk1"/>
+                </a:solidFill>
+                <a:latin typeface="Calibri"/>
+                <a:ea typeface="Calibri"/>
+                <a:cs typeface="Calibri"/>
+              </a:rPr>
               <a:t> </a:t>
             </a:r>
             <a:r>
-              <a:rPr lang="en-US" sz="2400" b="0" i="0" u="none" strike="noStrike" cap="none" dirty="0" smtClean="0">
+              <a:rPr lang="en-US" sz="2400" dirty="0">
                 <a:solidFill>
                   <a:schemeClr val="dk1"/>
                 </a:solidFill>
@@ -12755,7 +13166,7 @@
               <a:t>Turning </a:t>
             </a:r>
             <a:r>
-              <a:rPr lang="en-US" sz="2400" b="0" i="0" u="none" strike="noStrike" cap="none" dirty="0">
+              <a:rPr lang="en-US" sz="2400" dirty="0">
                 <a:solidFill>
                   <a:schemeClr val="dk1"/>
                 </a:solidFill>
@@ -12767,7 +13178,7 @@
               <a:t>speed too </a:t>
             </a:r>
             <a:r>
-              <a:rPr lang="en-US" sz="2400" b="0" i="0" u="none" strike="noStrike" cap="none" dirty="0" smtClean="0">
+              <a:rPr lang="en-US" sz="2400" dirty="0">
                 <a:solidFill>
                   <a:schemeClr val="dk1"/>
                 </a:solidFill>
@@ -12778,7 +13189,7 @@
               </a:rPr>
               <a:t>fast</a:t>
             </a:r>
-            <a:endParaRPr lang="en-US" sz="2400" b="0" i="0" u="none" strike="noStrike" cap="none" dirty="0">
+            <a:endParaRPr lang="en-US" sz="2400" dirty="0">
               <a:solidFill>
                 <a:schemeClr val="dk1"/>
               </a:solidFill>
@@ -12898,7 +13309,7 @@
         <p:spPr>
           <a:xfrm>
             <a:off x="558064" y="1511826"/>
-            <a:ext cx="10515599" cy="5346174"/>
+            <a:ext cx="10515599" cy="4517913"/>
           </a:xfrm>
           <a:prstGeom prst="rect">
             <a:avLst/>
@@ -12932,9 +13343,9 @@
               <a:buChar char="•"/>
             </a:pPr>
             <a:r>
-              <a:rPr lang="en-US" altLang="zh-CN" sz="2800" b="0" i="0" u="none" strike="noStrike" cap="none" dirty="0" smtClean="0">
-                <a:solidFill>
-                  <a:schemeClr val="dk1"/>
+              <a:rPr lang="en-US" altLang="zh-CN" sz="2400" b="0" i="0" u="none" strike="noStrike" cap="none" dirty="0" smtClean="0">
+                <a:solidFill>
+                  <a:schemeClr val="tx1"/>
                 </a:solidFill>
                 <a:latin typeface="Calibri"/>
                 <a:ea typeface="Calibri"/>
@@ -12944,9 +13355,9 @@
               <a:t>Driving</a:t>
             </a:r>
             <a:r>
-              <a:rPr lang="zh-CN" altLang="en-US" sz="2800" b="0" i="0" u="none" strike="noStrike" cap="none" dirty="0" smtClean="0">
-                <a:solidFill>
-                  <a:schemeClr val="dk1"/>
+              <a:rPr lang="zh-CN" altLang="en-US" sz="2400" b="0" i="0" u="none" strike="noStrike" cap="none" dirty="0" smtClean="0">
+                <a:solidFill>
+                  <a:schemeClr val="tx1"/>
                 </a:solidFill>
                 <a:latin typeface="Calibri"/>
                 <a:ea typeface="Calibri"/>
@@ -12956,9 +13367,9 @@
               <a:t> </a:t>
             </a:r>
             <a:r>
-              <a:rPr lang="en-US" altLang="zh-CN" sz="2800" b="0" i="0" u="none" strike="noStrike" cap="none" dirty="0" smtClean="0">
-                <a:solidFill>
-                  <a:schemeClr val="dk1"/>
+              <a:rPr lang="en-US" altLang="zh-CN" sz="2400" b="0" i="0" u="none" strike="noStrike" cap="none" dirty="0" smtClean="0">
+                <a:solidFill>
+                  <a:schemeClr val="tx1"/>
                 </a:solidFill>
                 <a:latin typeface="Calibri"/>
                 <a:ea typeface="Calibri"/>
@@ -12987,52 +13398,129 @@
               <a:buChar char="•"/>
             </a:pPr>
             <a:r>
-              <a:rPr lang="en-US" altLang="zh-CN" sz="2800" dirty="0" smtClean="0"/>
+              <a:rPr lang="en-US" altLang="zh-CN" sz="2400" dirty="0">
+                <a:solidFill>
+                  <a:schemeClr val="tx1"/>
+                </a:solidFill>
+                <a:latin typeface="Calibri"/>
+                <a:ea typeface="Calibri"/>
+                <a:cs typeface="Calibri"/>
+              </a:rPr>
               <a:t>Driving</a:t>
             </a:r>
             <a:r>
-              <a:rPr lang="zh-CN" altLang="en-US" sz="2800" dirty="0" smtClean="0"/>
+              <a:rPr lang="zh-CN" altLang="en-US" sz="2400" dirty="0">
+                <a:solidFill>
+                  <a:schemeClr val="tx1"/>
+                </a:solidFill>
+                <a:latin typeface="Calibri"/>
+                <a:ea typeface="Calibri"/>
+                <a:cs typeface="Calibri"/>
+              </a:rPr>
               <a:t> </a:t>
             </a:r>
             <a:r>
-              <a:rPr lang="en-US" altLang="zh-CN" sz="2800" dirty="0" smtClean="0"/>
+              <a:rPr lang="en-US" altLang="zh-CN" sz="2400" dirty="0">
+                <a:solidFill>
+                  <a:schemeClr val="tx1"/>
+                </a:solidFill>
+                <a:latin typeface="Calibri"/>
+                <a:ea typeface="Calibri"/>
+                <a:cs typeface="Calibri"/>
+              </a:rPr>
               <a:t>route</a:t>
             </a:r>
             <a:r>
-              <a:rPr lang="zh-CN" altLang="en-US" sz="2800" dirty="0" smtClean="0"/>
+              <a:rPr lang="zh-CN" altLang="en-US" sz="2400" dirty="0">
+                <a:solidFill>
+                  <a:schemeClr val="tx1"/>
+                </a:solidFill>
+                <a:latin typeface="Calibri"/>
+                <a:ea typeface="Calibri"/>
+                <a:cs typeface="Calibri"/>
+              </a:rPr>
               <a:t> </a:t>
             </a:r>
             <a:r>
-              <a:rPr lang="en-US" altLang="zh-CN" sz="2800" dirty="0" smtClean="0"/>
+              <a:rPr lang="en-US" altLang="zh-CN" sz="2400" dirty="0">
+                <a:solidFill>
+                  <a:schemeClr val="tx1"/>
+                </a:solidFill>
+                <a:latin typeface="Calibri"/>
+                <a:ea typeface="Calibri"/>
+                <a:cs typeface="Calibri"/>
+              </a:rPr>
               <a:t>showing</a:t>
             </a:r>
             <a:r>
-              <a:rPr lang="zh-CN" altLang="en-US" sz="2800" dirty="0" smtClean="0"/>
+              <a:rPr lang="zh-CN" altLang="en-US" sz="2400" dirty="0">
+                <a:solidFill>
+                  <a:schemeClr val="tx1"/>
+                </a:solidFill>
+                <a:latin typeface="Calibri"/>
+                <a:ea typeface="Calibri"/>
+                <a:cs typeface="Calibri"/>
+              </a:rPr>
               <a:t> </a:t>
             </a:r>
             <a:r>
-              <a:rPr lang="en-US" altLang="zh-CN" sz="2800" dirty="0" smtClean="0"/>
+              <a:rPr lang="en-US" altLang="zh-CN" sz="2400" dirty="0">
+                <a:solidFill>
+                  <a:schemeClr val="tx1"/>
+                </a:solidFill>
+                <a:latin typeface="Calibri"/>
+                <a:ea typeface="Calibri"/>
+                <a:cs typeface="Calibri"/>
+              </a:rPr>
               <a:t>in</a:t>
             </a:r>
             <a:r>
-              <a:rPr lang="zh-CN" altLang="en-US" sz="2800" dirty="0" smtClean="0"/>
+              <a:rPr lang="zh-CN" altLang="en-US" sz="2400" dirty="0">
+                <a:solidFill>
+                  <a:schemeClr val="tx1"/>
+                </a:solidFill>
+                <a:latin typeface="Calibri"/>
+                <a:ea typeface="Calibri"/>
+                <a:cs typeface="Calibri"/>
+              </a:rPr>
               <a:t> </a:t>
             </a:r>
             <a:r>
-              <a:rPr lang="en-US" altLang="zh-CN" sz="2800" dirty="0" smtClean="0"/>
+              <a:rPr lang="en-US" altLang="zh-CN" sz="2400" dirty="0">
+                <a:solidFill>
+                  <a:schemeClr val="tx1"/>
+                </a:solidFill>
+                <a:latin typeface="Calibri"/>
+                <a:ea typeface="Calibri"/>
+                <a:cs typeface="Calibri"/>
+              </a:rPr>
               <a:t>google</a:t>
             </a:r>
             <a:r>
-              <a:rPr lang="zh-CN" altLang="en-US" sz="2800" dirty="0" smtClean="0"/>
+              <a:rPr lang="zh-CN" altLang="en-US" sz="2400" dirty="0">
+                <a:solidFill>
+                  <a:schemeClr val="tx1"/>
+                </a:solidFill>
+                <a:latin typeface="Calibri"/>
+                <a:ea typeface="Calibri"/>
+                <a:cs typeface="Calibri"/>
+              </a:rPr>
               <a:t> </a:t>
             </a:r>
             <a:r>
-              <a:rPr lang="en-US" altLang="zh-CN" sz="2800" dirty="0" smtClean="0"/>
+              <a:rPr lang="en-US" altLang="zh-CN" sz="2400" dirty="0">
+                <a:solidFill>
+                  <a:schemeClr val="tx1"/>
+                </a:solidFill>
+                <a:latin typeface="Calibri"/>
+                <a:ea typeface="Calibri"/>
+                <a:cs typeface="Calibri"/>
+              </a:rPr>
               <a:t>map</a:t>
             </a:r>
-            <a:endParaRPr lang="en-US" altLang="zh-CN" sz="2800" b="0" i="0" u="none" strike="noStrike" cap="none" dirty="0" smtClean="0">
+            <a:endParaRPr lang="en-US" altLang="zh-CN" sz="2400" dirty="0">
               <a:solidFill>
-                <a:schemeClr val="dk1"/>
+                <a:schemeClr val="tx1"/>
               </a:solidFill>
               <a:latin typeface="Calibri"/>
               <a:ea typeface="Calibri"/>
@@ -13059,68 +13547,96 @@
               <a:buChar char="•"/>
             </a:pPr>
             <a:r>
-              <a:rPr lang="en-US" altLang="zh-CN" sz="2800" b="0" i="0" u="none" strike="noStrike" cap="none" dirty="0" smtClean="0">
-                <a:solidFill>
-                  <a:schemeClr val="dk1"/>
-                </a:solidFill>
+              <a:rPr lang="en-US" altLang="zh-CN" sz="2400" dirty="0">
+                <a:solidFill>
+                  <a:schemeClr val="tx1"/>
+                </a:solidFill>
+                <a:latin typeface="Calibri"/>
+                <a:ea typeface="Calibri"/>
+                <a:cs typeface="Calibri"/>
                 <a:sym typeface="Calibri"/>
               </a:rPr>
               <a:t>Max</a:t>
             </a:r>
             <a:r>
-              <a:rPr lang="zh-CN" altLang="en-US" sz="2800" b="0" i="0" u="none" strike="noStrike" cap="none" dirty="0" smtClean="0">
-                <a:solidFill>
-                  <a:schemeClr val="dk1"/>
-                </a:solidFill>
+              <a:rPr lang="zh-CN" altLang="en-US" sz="2400" dirty="0">
+                <a:solidFill>
+                  <a:schemeClr val="tx1"/>
+                </a:solidFill>
+                <a:latin typeface="Calibri"/>
+                <a:ea typeface="Calibri"/>
+                <a:cs typeface="Calibri"/>
                 <a:sym typeface="Calibri"/>
               </a:rPr>
               <a:t> </a:t>
             </a:r>
             <a:r>
-              <a:rPr lang="en-US" altLang="zh-CN" sz="2800" b="0" i="0" u="none" strike="noStrike" cap="none" dirty="0" smtClean="0">
-                <a:solidFill>
-                  <a:schemeClr val="dk1"/>
-                </a:solidFill>
+              <a:rPr lang="en-US" altLang="zh-CN" sz="2400" dirty="0">
+                <a:solidFill>
+                  <a:schemeClr val="tx1"/>
+                </a:solidFill>
+                <a:latin typeface="Calibri"/>
+                <a:ea typeface="Calibri"/>
+                <a:cs typeface="Calibri"/>
                 <a:sym typeface="Calibri"/>
               </a:rPr>
               <a:t>speed,</a:t>
             </a:r>
             <a:r>
-              <a:rPr lang="zh-CN" altLang="en-US" sz="2800" b="0" i="0" u="none" strike="noStrike" cap="none" dirty="0" smtClean="0">
-                <a:solidFill>
-                  <a:schemeClr val="dk1"/>
-                </a:solidFill>
+              <a:rPr lang="zh-CN" altLang="en-US" sz="2400" dirty="0">
+                <a:solidFill>
+                  <a:schemeClr val="tx1"/>
+                </a:solidFill>
+                <a:latin typeface="Calibri"/>
+                <a:ea typeface="Calibri"/>
+                <a:cs typeface="Calibri"/>
                 <a:sym typeface="Calibri"/>
               </a:rPr>
               <a:t> </a:t>
             </a:r>
             <a:r>
-              <a:rPr lang="en-US" altLang="zh-CN" sz="2800" dirty="0" err="1"/>
+              <a:rPr lang="en-US" altLang="zh-CN" sz="2400" dirty="0" err="1">
+                <a:solidFill>
+                  <a:schemeClr val="tx1"/>
+                </a:solidFill>
+                <a:latin typeface="Calibri"/>
+                <a:ea typeface="Calibri"/>
+                <a:cs typeface="Calibri"/>
+              </a:rPr>
               <a:t>A</a:t>
             </a:r>
             <a:r>
-              <a:rPr lang="en-US" altLang="zh-CN" sz="2800" b="0" i="0" u="none" strike="noStrike" cap="none" dirty="0" err="1" smtClean="0">
-                <a:solidFill>
-                  <a:schemeClr val="dk1"/>
-                </a:solidFill>
+              <a:rPr lang="en-US" altLang="zh-CN" sz="2400" dirty="0" err="1">
+                <a:solidFill>
+                  <a:schemeClr val="tx1"/>
+                </a:solidFill>
+                <a:latin typeface="Calibri"/>
+                <a:ea typeface="Calibri"/>
+                <a:cs typeface="Calibri"/>
                 <a:sym typeface="Calibri"/>
               </a:rPr>
               <a:t>vg</a:t>
             </a:r>
             <a:r>
-              <a:rPr lang="zh-CN" altLang="en-US" sz="2800" b="0" i="0" u="none" strike="noStrike" cap="none" dirty="0" smtClean="0">
-                <a:solidFill>
-                  <a:schemeClr val="dk1"/>
-                </a:solidFill>
+              <a:rPr lang="zh-CN" altLang="en-US" sz="2400" dirty="0">
+                <a:solidFill>
+                  <a:schemeClr val="tx1"/>
+                </a:solidFill>
+                <a:latin typeface="Calibri"/>
+                <a:ea typeface="Calibri"/>
+                <a:cs typeface="Calibri"/>
                 <a:sym typeface="Calibri"/>
               </a:rPr>
               <a:t> </a:t>
             </a:r>
             <a:r>
-              <a:rPr lang="en-US" altLang="zh-CN" sz="2800" b="0" i="0" u="none" strike="noStrike" cap="none" dirty="0" smtClean="0">
-                <a:solidFill>
-                  <a:schemeClr val="dk1"/>
-                </a:solidFill>
+              <a:rPr lang="en-US" altLang="zh-CN" sz="2400" dirty="0">
+                <a:solidFill>
+                  <a:schemeClr val="tx1"/>
+                </a:solidFill>
+                <a:latin typeface="Calibri"/>
+                <a:ea typeface="Calibri"/>
+                <a:cs typeface="Calibri"/>
                 <a:sym typeface="Calibri"/>
               </a:rPr>
               <a:t>speed</a:t>
@@ -13145,23 +13661,58 @@
               <a:buChar char="•"/>
             </a:pPr>
             <a:r>
-              <a:rPr lang="en-US" altLang="zh-CN" sz="2800" dirty="0" smtClean="0"/>
+              <a:rPr lang="en-US" altLang="zh-CN" sz="2400" dirty="0">
+                <a:solidFill>
+                  <a:schemeClr val="tx1"/>
+                </a:solidFill>
+                <a:latin typeface="Calibri"/>
+                <a:ea typeface="Calibri"/>
+                <a:cs typeface="Calibri"/>
+              </a:rPr>
               <a:t>Full</a:t>
             </a:r>
             <a:r>
-              <a:rPr lang="zh-CN" altLang="en-US" sz="2800" dirty="0" smtClean="0"/>
+              <a:rPr lang="zh-CN" altLang="en-US" sz="2400" dirty="0">
+                <a:solidFill>
+                  <a:schemeClr val="tx1"/>
+                </a:solidFill>
+                <a:latin typeface="Calibri"/>
+                <a:ea typeface="Calibri"/>
+                <a:cs typeface="Calibri"/>
+              </a:rPr>
               <a:t> </a:t>
             </a:r>
             <a:r>
-              <a:rPr lang="en-US" altLang="zh-CN" sz="2800" dirty="0" smtClean="0"/>
+              <a:rPr lang="en-US" altLang="zh-CN" sz="2400" dirty="0">
+                <a:solidFill>
+                  <a:schemeClr val="tx1"/>
+                </a:solidFill>
+                <a:latin typeface="Calibri"/>
+                <a:ea typeface="Calibri"/>
+                <a:cs typeface="Calibri"/>
+              </a:rPr>
               <a:t>stop</a:t>
             </a:r>
             <a:r>
-              <a:rPr lang="zh-CN" altLang="en-US" sz="2800" dirty="0" smtClean="0"/>
+              <a:rPr lang="zh-CN" altLang="en-US" sz="2400" dirty="0">
+                <a:solidFill>
+                  <a:schemeClr val="tx1"/>
+                </a:solidFill>
+                <a:latin typeface="Calibri"/>
+                <a:ea typeface="Calibri"/>
+                <a:cs typeface="Calibri"/>
+              </a:rPr>
               <a:t> </a:t>
             </a:r>
             <a:r>
-              <a:rPr lang="en-US" altLang="zh-CN" sz="2800" dirty="0" smtClean="0"/>
+              <a:rPr lang="en-US" altLang="zh-CN" sz="2400" dirty="0">
+                <a:solidFill>
+                  <a:schemeClr val="tx1"/>
+                </a:solidFill>
+                <a:latin typeface="Calibri"/>
+                <a:ea typeface="Calibri"/>
+                <a:cs typeface="Calibri"/>
+              </a:rPr>
               <a:t>count</a:t>
             </a:r>
           </a:p>
@@ -13184,46 +13735,61 @@
               <a:buChar char="•"/>
             </a:pPr>
             <a:r>
-              <a:rPr lang="en-US" altLang="zh-CN" sz="2800" b="0" i="0" u="none" strike="noStrike" cap="none" dirty="0" smtClean="0">
-                <a:solidFill>
-                  <a:schemeClr val="dk1"/>
-                </a:solidFill>
+              <a:rPr lang="en-US" altLang="zh-CN" sz="2400" dirty="0">
+                <a:solidFill>
+                  <a:schemeClr val="tx1"/>
+                </a:solidFill>
+                <a:latin typeface="Calibri"/>
+                <a:ea typeface="Calibri"/>
+                <a:cs typeface="Calibri"/>
                 <a:sym typeface="Calibri"/>
               </a:rPr>
               <a:t>Hard</a:t>
             </a:r>
             <a:r>
-              <a:rPr lang="zh-CN" altLang="en-US" sz="2800" b="0" i="0" u="none" strike="noStrike" cap="none" dirty="0" smtClean="0">
-                <a:solidFill>
-                  <a:schemeClr val="dk1"/>
-                </a:solidFill>
+              <a:rPr lang="zh-CN" altLang="en-US" sz="2400" dirty="0">
+                <a:solidFill>
+                  <a:schemeClr val="tx1"/>
+                </a:solidFill>
+                <a:latin typeface="Calibri"/>
+                <a:ea typeface="Calibri"/>
+                <a:cs typeface="Calibri"/>
                 <a:sym typeface="Calibri"/>
               </a:rPr>
               <a:t> </a:t>
             </a:r>
             <a:r>
-              <a:rPr lang="en-US" altLang="zh-CN" sz="2800" b="0" i="0" u="none" strike="noStrike" cap="none" dirty="0" smtClean="0">
-                <a:solidFill>
-                  <a:schemeClr val="dk1"/>
-                </a:solidFill>
+              <a:rPr lang="en-US" altLang="zh-CN" sz="2400" dirty="0">
+                <a:solidFill>
+                  <a:schemeClr val="tx1"/>
+                </a:solidFill>
+                <a:latin typeface="Calibri"/>
+                <a:ea typeface="Calibri"/>
+                <a:cs typeface="Calibri"/>
                 <a:sym typeface="Calibri"/>
               </a:rPr>
               <a:t>break</a:t>
             </a:r>
             <a:r>
-              <a:rPr lang="zh-CN" altLang="en-US" sz="2800" b="0" i="0" u="none" strike="noStrike" cap="none" dirty="0" smtClean="0">
-                <a:solidFill>
-                  <a:schemeClr val="dk1"/>
-                </a:solidFill>
+              <a:rPr lang="zh-CN" altLang="en-US" sz="2400" dirty="0">
+                <a:solidFill>
+                  <a:schemeClr val="tx1"/>
+                </a:solidFill>
+                <a:latin typeface="Calibri"/>
+                <a:ea typeface="Calibri"/>
+                <a:cs typeface="Calibri"/>
                 <a:sym typeface="Calibri"/>
               </a:rPr>
               <a:t> </a:t>
             </a:r>
             <a:r>
-              <a:rPr lang="en-US" altLang="zh-CN" sz="2800" b="0" i="0" u="none" strike="noStrike" cap="none" dirty="0" smtClean="0">
-                <a:solidFill>
-                  <a:schemeClr val="dk1"/>
-                </a:solidFill>
+              <a:rPr lang="en-US" altLang="zh-CN" sz="2400" dirty="0">
+                <a:solidFill>
+                  <a:schemeClr val="tx1"/>
+                </a:solidFill>
+                <a:latin typeface="Calibri"/>
+                <a:ea typeface="Calibri"/>
+                <a:cs typeface="Calibri"/>
                 <a:sym typeface="Calibri"/>
               </a:rPr>
               <a:t>count</a:t>
@@ -13248,51 +13814,73 @@
               <a:buChar char="•"/>
             </a:pPr>
             <a:r>
-              <a:rPr lang="en-US" altLang="zh-CN" sz="2800" b="0" i="0" u="none" strike="noStrike" cap="none" dirty="0" smtClean="0">
-                <a:solidFill>
-                  <a:schemeClr val="dk1"/>
-                </a:solidFill>
+              <a:rPr lang="en-US" altLang="zh-CN" sz="2400" dirty="0">
+                <a:solidFill>
+                  <a:schemeClr val="tx1"/>
+                </a:solidFill>
+                <a:latin typeface="Calibri"/>
+                <a:ea typeface="Calibri"/>
+                <a:cs typeface="Calibri"/>
                 <a:sym typeface="Calibri"/>
               </a:rPr>
               <a:t>Over</a:t>
             </a:r>
             <a:r>
-              <a:rPr lang="zh-CN" altLang="en-US" sz="2800" b="0" i="0" u="none" strike="noStrike" cap="none" dirty="0" smtClean="0">
-                <a:solidFill>
-                  <a:schemeClr val="dk1"/>
-                </a:solidFill>
+              <a:rPr lang="zh-CN" altLang="en-US" sz="2400" dirty="0">
+                <a:solidFill>
+                  <a:schemeClr val="tx1"/>
+                </a:solidFill>
+                <a:latin typeface="Calibri"/>
+                <a:ea typeface="Calibri"/>
+                <a:cs typeface="Calibri"/>
                 <a:sym typeface="Calibri"/>
               </a:rPr>
               <a:t> </a:t>
             </a:r>
             <a:r>
-              <a:rPr lang="en-US" altLang="zh-CN" sz="2800" b="0" i="0" u="none" strike="noStrike" cap="none" dirty="0" smtClean="0">
-                <a:solidFill>
-                  <a:schemeClr val="dk1"/>
-                </a:solidFill>
+              <a:rPr lang="en-US" altLang="zh-CN" sz="2400" dirty="0">
+                <a:solidFill>
+                  <a:schemeClr val="tx1"/>
+                </a:solidFill>
+                <a:latin typeface="Calibri"/>
+                <a:ea typeface="Calibri"/>
+                <a:cs typeface="Calibri"/>
                 <a:sym typeface="Calibri"/>
               </a:rPr>
               <a:t>acceleration</a:t>
             </a:r>
             <a:r>
-              <a:rPr lang="zh-CN" altLang="en-US" sz="2800" b="0" i="0" u="none" strike="noStrike" cap="none" dirty="0" smtClean="0">
-                <a:solidFill>
-                  <a:schemeClr val="dk1"/>
-                </a:solidFill>
+              <a:rPr lang="zh-CN" altLang="en-US" sz="2400" dirty="0">
+                <a:solidFill>
+                  <a:schemeClr val="tx1"/>
+                </a:solidFill>
+                <a:latin typeface="Calibri"/>
+                <a:ea typeface="Calibri"/>
+                <a:cs typeface="Calibri"/>
                 <a:sym typeface="Calibri"/>
               </a:rPr>
               <a:t> </a:t>
             </a:r>
             <a:r>
-              <a:rPr lang="en-US" altLang="zh-CN" sz="2800" b="0" i="0" u="none" strike="noStrike" cap="none" dirty="0" smtClean="0">
-                <a:solidFill>
-                  <a:schemeClr val="dk1"/>
-                </a:solidFill>
+              <a:rPr lang="en-US" altLang="zh-CN" sz="2400" dirty="0">
+                <a:solidFill>
+                  <a:schemeClr val="tx1"/>
+                </a:solidFill>
+                <a:latin typeface="Calibri"/>
+                <a:ea typeface="Calibri"/>
+                <a:cs typeface="Calibri"/>
                 <a:sym typeface="Calibri"/>
               </a:rPr>
               <a:t>count</a:t>
             </a:r>
-            <a:endParaRPr lang="en-US" altLang="zh-CN" sz="2800" dirty="0"/>
+            <a:endParaRPr lang="en-US" altLang="zh-CN" sz="2400" dirty="0">
+              <a:solidFill>
+                <a:schemeClr val="tx1"/>
+              </a:solidFill>
+              <a:latin typeface="Calibri"/>
+              <a:ea typeface="Calibri"/>
+              <a:cs typeface="Calibri"/>
+            </a:endParaRPr>
           </a:p>
           <a:p>
             <a:pPr marL="228600" marR="0" lvl="1" indent="-228600" algn="l" rtl="0">
@@ -13313,15 +13901,36 @@
               <a:buChar char="•"/>
             </a:pPr>
             <a:r>
-              <a:rPr lang="en-US" sz="2800" dirty="0" smtClean="0"/>
+              <a:rPr lang="en-US" sz="2400" dirty="0">
+                <a:solidFill>
+                  <a:schemeClr val="tx1"/>
+                </a:solidFill>
+                <a:latin typeface="Calibri"/>
+                <a:ea typeface="Calibri"/>
+                <a:cs typeface="Calibri"/>
+              </a:rPr>
               <a:t>Driving </a:t>
             </a:r>
             <a:r>
-              <a:rPr lang="en-US" sz="2800" dirty="0"/>
+              <a:rPr lang="en-US" sz="2400" dirty="0">
+                <a:solidFill>
+                  <a:schemeClr val="tx1"/>
+                </a:solidFill>
+                <a:latin typeface="Calibri"/>
+                <a:ea typeface="Calibri"/>
+                <a:cs typeface="Calibri"/>
+              </a:rPr>
               <a:t>suggestion(TBD</a:t>
             </a:r>
             <a:r>
-              <a:rPr lang="en-US" sz="2800" dirty="0" smtClean="0"/>
+              <a:rPr lang="en-US" sz="2400" dirty="0">
+                <a:solidFill>
+                  <a:schemeClr val="tx1"/>
+                </a:solidFill>
+                <a:latin typeface="Calibri"/>
+                <a:ea typeface="Calibri"/>
+                <a:cs typeface="Calibri"/>
+              </a:rPr>
               <a:t>)</a:t>
             </a:r>
           </a:p>
@@ -13338,42 +13947,112 @@
               <a:buChar char="•"/>
             </a:pPr>
             <a:r>
-              <a:rPr lang="en-US" altLang="zh-CN" sz="2800" dirty="0"/>
+              <a:rPr lang="en-US" altLang="zh-CN" sz="2400" dirty="0">
+                <a:solidFill>
+                  <a:schemeClr val="tx1"/>
+                </a:solidFill>
+                <a:latin typeface="Calibri"/>
+                <a:ea typeface="Calibri"/>
+                <a:cs typeface="Calibri"/>
+              </a:rPr>
               <a:t>Over</a:t>
             </a:r>
             <a:r>
-              <a:rPr lang="zh-CN" altLang="en-US" sz="2800" dirty="0"/>
+              <a:rPr lang="zh-CN" altLang="en-US" sz="2400" dirty="0">
+                <a:solidFill>
+                  <a:schemeClr val="tx1"/>
+                </a:solidFill>
+                <a:latin typeface="Calibri"/>
+                <a:ea typeface="Calibri"/>
+                <a:cs typeface="Calibri"/>
+              </a:rPr>
               <a:t> </a:t>
             </a:r>
             <a:r>
-              <a:rPr lang="en-US" altLang="zh-CN" sz="2800" dirty="0"/>
+              <a:rPr lang="en-US" altLang="zh-CN" sz="2400" dirty="0">
+                <a:solidFill>
+                  <a:schemeClr val="tx1"/>
+                </a:solidFill>
+                <a:latin typeface="Calibri"/>
+                <a:ea typeface="Calibri"/>
+                <a:cs typeface="Calibri"/>
+              </a:rPr>
               <a:t>speed</a:t>
             </a:r>
             <a:r>
-              <a:rPr lang="zh-CN" altLang="en-US" sz="2800" dirty="0"/>
+              <a:rPr lang="zh-CN" altLang="en-US" sz="2400" dirty="0">
+                <a:solidFill>
+                  <a:schemeClr val="tx1"/>
+                </a:solidFill>
+                <a:latin typeface="Calibri"/>
+                <a:ea typeface="Calibri"/>
+                <a:cs typeface="Calibri"/>
+              </a:rPr>
               <a:t> </a:t>
             </a:r>
             <a:r>
-              <a:rPr lang="en-US" altLang="zh-CN" sz="2800" dirty="0"/>
+              <a:rPr lang="en-US" altLang="zh-CN" sz="2400" dirty="0">
+                <a:solidFill>
+                  <a:schemeClr val="tx1"/>
+                </a:solidFill>
+                <a:latin typeface="Calibri"/>
+                <a:ea typeface="Calibri"/>
+                <a:cs typeface="Calibri"/>
+              </a:rPr>
               <a:t>limit</a:t>
             </a:r>
             <a:r>
-              <a:rPr lang="zh-CN" altLang="en-US" sz="2800" dirty="0"/>
+              <a:rPr lang="zh-CN" altLang="en-US" sz="2400" dirty="0">
+                <a:solidFill>
+                  <a:schemeClr val="tx1"/>
+                </a:solidFill>
+                <a:latin typeface="Calibri"/>
+                <a:ea typeface="Calibri"/>
+                <a:cs typeface="Calibri"/>
+              </a:rPr>
               <a:t> </a:t>
             </a:r>
             <a:r>
-              <a:rPr lang="en-US" altLang="zh-CN" sz="2800" dirty="0"/>
+              <a:rPr lang="en-US" altLang="zh-CN" sz="2400" dirty="0">
+                <a:solidFill>
+                  <a:schemeClr val="tx1"/>
+                </a:solidFill>
+                <a:latin typeface="Calibri"/>
+                <a:ea typeface="Calibri"/>
+                <a:cs typeface="Calibri"/>
+              </a:rPr>
               <a:t>count</a:t>
             </a:r>
             <a:r>
-              <a:rPr lang="zh-CN" altLang="en-US" sz="2800" dirty="0"/>
+              <a:rPr lang="zh-CN" altLang="en-US" sz="2400" dirty="0">
+                <a:solidFill>
+                  <a:schemeClr val="tx1"/>
+                </a:solidFill>
+                <a:latin typeface="Calibri"/>
+                <a:ea typeface="Calibri"/>
+                <a:cs typeface="Calibri"/>
+              </a:rPr>
               <a:t> </a:t>
             </a:r>
             <a:r>
-              <a:rPr lang="en-US" altLang="zh-CN" sz="2800" dirty="0"/>
+              <a:rPr lang="en-US" altLang="zh-CN" sz="2400" dirty="0">
+                <a:solidFill>
+                  <a:schemeClr val="tx1"/>
+                </a:solidFill>
+                <a:latin typeface="Calibri"/>
+                <a:ea typeface="Calibri"/>
+                <a:cs typeface="Calibri"/>
+              </a:rPr>
               <a:t>(TBD)</a:t>
             </a:r>
-            <a:endParaRPr lang="zh-CN" altLang="en-US" sz="2800" dirty="0"/>
+            <a:endParaRPr lang="zh-CN" altLang="en-US" sz="2400" dirty="0">
+              <a:solidFill>
+                <a:schemeClr val="tx1"/>
+              </a:solidFill>
+              <a:latin typeface="Calibri"/>
+              <a:ea typeface="Calibri"/>
+              <a:cs typeface="Calibri"/>
+            </a:endParaRPr>
           </a:p>
           <a:p>
             <a:pPr marL="228600" lvl="1" indent="-228600">
@@ -13388,101 +14067,233 @@
               <a:buChar char="•"/>
             </a:pPr>
             <a:r>
-              <a:rPr lang="en-US" altLang="zh-CN" sz="2800" dirty="0" smtClean="0"/>
+              <a:rPr lang="en-US" altLang="zh-CN" sz="2400" dirty="0">
+                <a:solidFill>
+                  <a:schemeClr val="tx1"/>
+                </a:solidFill>
+                <a:latin typeface="Calibri"/>
+                <a:ea typeface="Calibri"/>
+                <a:cs typeface="Calibri"/>
+              </a:rPr>
               <a:t>Remind</a:t>
             </a:r>
             <a:r>
-              <a:rPr lang="zh-CN" altLang="en-US" sz="2800" dirty="0" smtClean="0"/>
+              <a:rPr lang="zh-CN" altLang="en-US" sz="2400" dirty="0">
+                <a:solidFill>
+                  <a:schemeClr val="tx1"/>
+                </a:solidFill>
+                <a:latin typeface="Calibri"/>
+                <a:ea typeface="Calibri"/>
+                <a:cs typeface="Calibri"/>
+              </a:rPr>
               <a:t> </a:t>
             </a:r>
             <a:r>
-              <a:rPr lang="en-US" altLang="zh-CN" sz="2800" dirty="0"/>
+              <a:rPr lang="en-US" altLang="zh-CN" sz="2400" dirty="0">
+                <a:solidFill>
+                  <a:schemeClr val="tx1"/>
+                </a:solidFill>
+                <a:latin typeface="Calibri"/>
+                <a:ea typeface="Calibri"/>
+                <a:cs typeface="Calibri"/>
+              </a:rPr>
               <a:t>if</a:t>
             </a:r>
             <a:r>
-              <a:rPr lang="zh-CN" altLang="en-US" sz="2800" dirty="0"/>
+              <a:rPr lang="zh-CN" altLang="en-US" sz="2400" dirty="0">
+                <a:solidFill>
+                  <a:schemeClr val="tx1"/>
+                </a:solidFill>
+                <a:latin typeface="Calibri"/>
+                <a:ea typeface="Calibri"/>
+                <a:cs typeface="Calibri"/>
+              </a:rPr>
               <a:t> </a:t>
             </a:r>
             <a:r>
-              <a:rPr lang="en-US" altLang="zh-CN" sz="2800" dirty="0" smtClean="0"/>
+              <a:rPr lang="en-US" altLang="zh-CN" sz="2400" dirty="0">
+                <a:solidFill>
+                  <a:schemeClr val="tx1"/>
+                </a:solidFill>
+                <a:latin typeface="Calibri"/>
+                <a:ea typeface="Calibri"/>
+                <a:cs typeface="Calibri"/>
+              </a:rPr>
               <a:t>gas</a:t>
             </a:r>
             <a:r>
-              <a:rPr lang="zh-CN" altLang="en-US" sz="2800" dirty="0" smtClean="0"/>
+              <a:rPr lang="zh-CN" altLang="en-US" sz="2400" dirty="0">
+                <a:solidFill>
+                  <a:schemeClr val="tx1"/>
+                </a:solidFill>
+                <a:latin typeface="Calibri"/>
+                <a:ea typeface="Calibri"/>
+                <a:cs typeface="Calibri"/>
+              </a:rPr>
               <a:t> </a:t>
             </a:r>
             <a:r>
-              <a:rPr lang="en-US" altLang="zh-CN" sz="2800" dirty="0"/>
+              <a:rPr lang="en-US" altLang="zh-CN" sz="2400" dirty="0">
+                <a:solidFill>
+                  <a:schemeClr val="tx1"/>
+                </a:solidFill>
+                <a:latin typeface="Calibri"/>
+                <a:ea typeface="Calibri"/>
+                <a:cs typeface="Calibri"/>
+              </a:rPr>
               <a:t>station</a:t>
             </a:r>
             <a:r>
-              <a:rPr lang="zh-CN" altLang="en-US" sz="2800" dirty="0"/>
+              <a:rPr lang="zh-CN" altLang="en-US" sz="2400" dirty="0">
+                <a:solidFill>
+                  <a:schemeClr val="tx1"/>
+                </a:solidFill>
+                <a:latin typeface="Calibri"/>
+                <a:ea typeface="Calibri"/>
+                <a:cs typeface="Calibri"/>
+              </a:rPr>
               <a:t> </a:t>
             </a:r>
             <a:r>
-              <a:rPr lang="en-US" altLang="zh-CN" sz="2800" dirty="0"/>
+              <a:rPr lang="en-US" altLang="zh-CN" sz="2400" dirty="0">
+                <a:solidFill>
+                  <a:schemeClr val="tx1"/>
+                </a:solidFill>
+                <a:latin typeface="Calibri"/>
+                <a:ea typeface="Calibri"/>
+                <a:cs typeface="Calibri"/>
+              </a:rPr>
               <a:t>or</a:t>
             </a:r>
             <a:r>
-              <a:rPr lang="zh-CN" altLang="en-US" sz="2800" dirty="0"/>
+              <a:rPr lang="zh-CN" altLang="en-US" sz="2400" dirty="0">
+                <a:solidFill>
+                  <a:schemeClr val="tx1"/>
+                </a:solidFill>
+                <a:latin typeface="Calibri"/>
+                <a:ea typeface="Calibri"/>
+                <a:cs typeface="Calibri"/>
+              </a:rPr>
               <a:t> </a:t>
             </a:r>
             <a:r>
-              <a:rPr lang="en-US" altLang="zh-CN" sz="2800" dirty="0"/>
+              <a:rPr lang="en-US" altLang="zh-CN" sz="2400" dirty="0">
+                <a:solidFill>
+                  <a:schemeClr val="tx1"/>
+                </a:solidFill>
+                <a:latin typeface="Calibri"/>
+                <a:ea typeface="Calibri"/>
+                <a:cs typeface="Calibri"/>
+              </a:rPr>
               <a:t>restaurant</a:t>
             </a:r>
             <a:r>
-              <a:rPr lang="zh-CN" altLang="en-US" sz="2800" dirty="0"/>
+              <a:rPr lang="zh-CN" altLang="en-US" sz="2400" dirty="0">
+                <a:solidFill>
+                  <a:schemeClr val="tx1"/>
+                </a:solidFill>
+                <a:latin typeface="Calibri"/>
+                <a:ea typeface="Calibri"/>
+                <a:cs typeface="Calibri"/>
+              </a:rPr>
               <a:t> </a:t>
             </a:r>
             <a:r>
-              <a:rPr lang="en-US" altLang="zh-CN" sz="2800" dirty="0"/>
+              <a:rPr lang="en-US" altLang="zh-CN" sz="2400" dirty="0">
+                <a:solidFill>
+                  <a:schemeClr val="tx1"/>
+                </a:solidFill>
+                <a:latin typeface="Calibri"/>
+                <a:ea typeface="Calibri"/>
+                <a:cs typeface="Calibri"/>
+              </a:rPr>
               <a:t>closed</a:t>
             </a:r>
             <a:r>
-              <a:rPr lang="zh-CN" altLang="en-US" sz="2800" dirty="0"/>
+              <a:rPr lang="zh-CN" altLang="en-US" sz="2400" dirty="0">
+                <a:solidFill>
+                  <a:schemeClr val="tx1"/>
+                </a:solidFill>
+                <a:latin typeface="Calibri"/>
+                <a:ea typeface="Calibri"/>
+                <a:cs typeface="Calibri"/>
+              </a:rPr>
               <a:t> </a:t>
             </a:r>
             <a:r>
-              <a:rPr lang="en-US" altLang="zh-CN" sz="2800" dirty="0"/>
+              <a:rPr lang="en-US" altLang="zh-CN" sz="2400" dirty="0">
+                <a:solidFill>
+                  <a:schemeClr val="tx1"/>
+                </a:solidFill>
+                <a:latin typeface="Calibri"/>
+                <a:ea typeface="Calibri"/>
+                <a:cs typeface="Calibri"/>
+              </a:rPr>
               <a:t>by</a:t>
             </a:r>
             <a:r>
-              <a:rPr lang="zh-CN" altLang="en-US" sz="2800" dirty="0"/>
+              <a:rPr lang="zh-CN" altLang="en-US" sz="2400" dirty="0">
+                <a:solidFill>
+                  <a:schemeClr val="tx1"/>
+                </a:solidFill>
+                <a:latin typeface="Calibri"/>
+                <a:ea typeface="Calibri"/>
+                <a:cs typeface="Calibri"/>
+              </a:rPr>
               <a:t> </a:t>
             </a:r>
             <a:r>
-              <a:rPr lang="en-US" altLang="zh-CN" sz="2800" dirty="0"/>
+              <a:rPr lang="en-US" altLang="zh-CN" sz="2400" dirty="0">
+                <a:solidFill>
+                  <a:schemeClr val="tx1"/>
+                </a:solidFill>
+                <a:latin typeface="Calibri"/>
+                <a:ea typeface="Calibri"/>
+                <a:cs typeface="Calibri"/>
+              </a:rPr>
               <a:t>car</a:t>
             </a:r>
             <a:r>
-              <a:rPr lang="zh-CN" altLang="en-US" sz="2800" dirty="0"/>
+              <a:rPr lang="zh-CN" altLang="en-US" sz="2400" dirty="0">
+                <a:solidFill>
+                  <a:schemeClr val="tx1"/>
+                </a:solidFill>
+                <a:latin typeface="Calibri"/>
+                <a:ea typeface="Calibri"/>
+                <a:cs typeface="Calibri"/>
+              </a:rPr>
               <a:t> </a:t>
             </a:r>
             <a:r>
-              <a:rPr lang="en-US" altLang="zh-CN" sz="2800" dirty="0"/>
-              <a:t>(TBD)</a:t>
-            </a:r>
-            <a:endParaRPr lang="en-US" sz="2800" dirty="0"/>
-          </a:p>
-          <a:p>
-            <a:pPr marL="0" marR="0" lvl="1" indent="0" algn="l" rtl="0">
-              <a:lnSpc>
-                <a:spcPct val="90000"/>
-              </a:lnSpc>
-              <a:spcBef>
-                <a:spcPts val="1000"/>
-              </a:spcBef>
-              <a:spcAft>
-                <a:spcPts val="0"/>
-              </a:spcAft>
-              <a:buClr>
-                <a:schemeClr val="dk1"/>
-              </a:buClr>
-              <a:buSzPct val="100000"/>
-              <a:buNone/>
-            </a:pPr>
-            <a:endParaRPr lang="en-US" sz="2800" dirty="0" smtClean="0"/>
+              <a:rPr lang="en-US" altLang="zh-CN" sz="2400" dirty="0">
+                <a:solidFill>
+                  <a:schemeClr val="tx1"/>
+                </a:solidFill>
+                <a:latin typeface="Calibri"/>
+                <a:ea typeface="Calibri"/>
+                <a:cs typeface="Calibri"/>
+              </a:rPr>
+              <a:t>(TBD</a:t>
+            </a:r>
+            <a:r>
+              <a:rPr lang="en-US" altLang="zh-CN" sz="2400" dirty="0" smtClean="0">
+                <a:solidFill>
+                  <a:schemeClr val="tx1"/>
+                </a:solidFill>
+                <a:latin typeface="Calibri"/>
+                <a:ea typeface="Calibri"/>
+                <a:cs typeface="Calibri"/>
+              </a:rPr>
+              <a:t>)</a:t>
+            </a:r>
+            <a:endParaRPr lang="en-US" sz="2400" dirty="0">
+              <a:solidFill>
+                <a:schemeClr val="tx1"/>
+              </a:solidFill>
+              <a:latin typeface="Calibri"/>
+              <a:ea typeface="Calibri"/>
+              <a:cs typeface="Calibri"/>
+            </a:endParaRPr>
           </a:p>
         </p:txBody>
       </p:sp>
@@ -13990,6 +14801,13 @@
   <p:clrMapOvr>
     <a:masterClrMapping/>
   </p:clrMapOvr>
+  <p:timing>
+    <p:tnLst>
+      <p:par>
+        <p:cTn id="1" dur="indefinite" restart="never" nodeType="tmRoot"/>
+      </p:par>
+    </p:tnLst>
+  </p:timing>
 </p:sld>
 </file>
 
